--- a/docs/presentations/final.pptx
+++ b/docs/presentations/final.pptx
@@ -3075,7 +3075,7 @@
           <a:p>
             <a:fld id="{D4DB1170-9040-4F08-A1C6-060965C8E8FC}" type="datetimeFigureOut">
               <a:rPr lang="en-US" smtClean="0"/>
-              <a:t>2019-08-20</a:t>
+              <a:t>2019-09-16</a:t>
             </a:fld>
             <a:endParaRPr lang="en-US"/>
           </a:p>
@@ -3243,7 +3243,7 @@
           <a:p>
             <a:fld id="{D4DB1170-9040-4F08-A1C6-060965C8E8FC}" type="datetimeFigureOut">
               <a:rPr lang="en-US" smtClean="0"/>
-              <a:t>2019-08-20</a:t>
+              <a:t>2019-09-16</a:t>
             </a:fld>
             <a:endParaRPr lang="en-US"/>
           </a:p>
@@ -3421,7 +3421,7 @@
           <a:p>
             <a:fld id="{D4DB1170-9040-4F08-A1C6-060965C8E8FC}" type="datetimeFigureOut">
               <a:rPr lang="en-US" smtClean="0"/>
-              <a:t>2019-08-20</a:t>
+              <a:t>2019-09-16</a:t>
             </a:fld>
             <a:endParaRPr lang="en-US"/>
           </a:p>
@@ -3589,7 +3589,7 @@
           <a:p>
             <a:fld id="{D4DB1170-9040-4F08-A1C6-060965C8E8FC}" type="datetimeFigureOut">
               <a:rPr lang="en-US" smtClean="0"/>
-              <a:t>2019-08-20</a:t>
+              <a:t>2019-09-16</a:t>
             </a:fld>
             <a:endParaRPr lang="en-US"/>
           </a:p>
@@ -3834,7 +3834,7 @@
           <a:p>
             <a:fld id="{D4DB1170-9040-4F08-A1C6-060965C8E8FC}" type="datetimeFigureOut">
               <a:rPr lang="en-US" smtClean="0"/>
-              <a:t>2019-08-20</a:t>
+              <a:t>2019-09-16</a:t>
             </a:fld>
             <a:endParaRPr lang="en-US"/>
           </a:p>
@@ -4063,7 +4063,7 @@
           <a:p>
             <a:fld id="{D4DB1170-9040-4F08-A1C6-060965C8E8FC}" type="datetimeFigureOut">
               <a:rPr lang="en-US" smtClean="0"/>
-              <a:t>2019-08-20</a:t>
+              <a:t>2019-09-16</a:t>
             </a:fld>
             <a:endParaRPr lang="en-US"/>
           </a:p>
@@ -4427,7 +4427,7 @@
           <a:p>
             <a:fld id="{D4DB1170-9040-4F08-A1C6-060965C8E8FC}" type="datetimeFigureOut">
               <a:rPr lang="en-US" smtClean="0"/>
-              <a:t>2019-08-20</a:t>
+              <a:t>2019-09-16</a:t>
             </a:fld>
             <a:endParaRPr lang="en-US"/>
           </a:p>
@@ -4544,7 +4544,7 @@
           <a:p>
             <a:fld id="{D4DB1170-9040-4F08-A1C6-060965C8E8FC}" type="datetimeFigureOut">
               <a:rPr lang="en-US" smtClean="0"/>
-              <a:t>2019-08-20</a:t>
+              <a:t>2019-09-16</a:t>
             </a:fld>
             <a:endParaRPr lang="en-US"/>
           </a:p>
@@ -4639,7 +4639,7 @@
           <a:p>
             <a:fld id="{D4DB1170-9040-4F08-A1C6-060965C8E8FC}" type="datetimeFigureOut">
               <a:rPr lang="en-US" smtClean="0"/>
-              <a:t>2019-08-20</a:t>
+              <a:t>2019-09-16</a:t>
             </a:fld>
             <a:endParaRPr lang="en-US"/>
           </a:p>
@@ -4914,7 +4914,7 @@
           <a:p>
             <a:fld id="{D4DB1170-9040-4F08-A1C6-060965C8E8FC}" type="datetimeFigureOut">
               <a:rPr lang="en-US" smtClean="0"/>
-              <a:t>2019-08-20</a:t>
+              <a:t>2019-09-16</a:t>
             </a:fld>
             <a:endParaRPr lang="en-US"/>
           </a:p>
@@ -5166,7 +5166,7 @@
           <a:p>
             <a:fld id="{D4DB1170-9040-4F08-A1C6-060965C8E8FC}" type="datetimeFigureOut">
               <a:rPr lang="en-US" smtClean="0"/>
-              <a:t>2019-08-20</a:t>
+              <a:t>2019-09-16</a:t>
             </a:fld>
             <a:endParaRPr lang="en-US"/>
           </a:p>
@@ -5377,7 +5377,7 @@
           <a:p>
             <a:fld id="{D4DB1170-9040-4F08-A1C6-060965C8E8FC}" type="datetimeFigureOut">
               <a:rPr lang="en-US" smtClean="0"/>
-              <a:t>2019-08-20</a:t>
+              <a:t>2019-09-16</a:t>
             </a:fld>
             <a:endParaRPr lang="en-US"/>
           </a:p>
@@ -5863,7 +5863,7 @@
             <a:pPr algn="l"/>
             <a:r>
               <a:rPr lang="en-US" b="1" dirty="0"/>
-              <a:t>12.09.2019</a:t>
+              <a:t>16.09.2019</a:t>
             </a:r>
           </a:p>
         </p:txBody>
